--- a/JKRS18_DSR_SY_KD/Figure/DSR2018_Figure.pptx
+++ b/JKRS18_DSR_SY_KD/Figure/DSR2018_Figure.pptx
@@ -6,6 +6,7 @@
   </p:sldMasterIdLst>
   <p:sldIdLst>
     <p:sldId id="281" r:id="rId2"/>
+    <p:sldId id="282" r:id="rId3"/>
   </p:sldIdLst>
   <p:sldSz cx="12192000" cy="6858000"/>
   <p:notesSz cx="6858000" cy="9144000"/>
@@ -112,6 +113,11 @@
             <p14:sldId id="281"/>
           </p14:sldIdLst>
         </p14:section>
+        <p14:section name="Figure 2" id="{EF206769-A691-4D5C-9815-DC4A480B3627}">
+          <p14:sldIdLst>
+            <p14:sldId id="282"/>
+          </p14:sldIdLst>
+        </p14:section>
       </p14:sectionLst>
     </p:ext>
     <p:ext uri="{EFAFB233-063F-42B5-8137-9DF3F51BA10A}">
@@ -263,7 +269,7 @@
           <a:p>
             <a:fld id="{6FFC7E98-D902-484D-A765-6737F59B3E56}" type="datetimeFigureOut">
               <a:rPr lang="ko-KR" altLang="en-US" smtClean="0"/>
-              <a:t>2018-08-21</a:t>
+              <a:t>2018-08-22</a:t>
             </a:fld>
             <a:endParaRPr lang="ko-KR" altLang="en-US"/>
           </a:p>
@@ -433,7 +439,7 @@
           <a:p>
             <a:fld id="{6FFC7E98-D902-484D-A765-6737F59B3E56}" type="datetimeFigureOut">
               <a:rPr lang="ko-KR" altLang="en-US" smtClean="0"/>
-              <a:t>2018-08-21</a:t>
+              <a:t>2018-08-22</a:t>
             </a:fld>
             <a:endParaRPr lang="ko-KR" altLang="en-US"/>
           </a:p>
@@ -613,7 +619,7 @@
           <a:p>
             <a:fld id="{6FFC7E98-D902-484D-A765-6737F59B3E56}" type="datetimeFigureOut">
               <a:rPr lang="ko-KR" altLang="en-US" smtClean="0"/>
-              <a:t>2018-08-21</a:t>
+              <a:t>2018-08-22</a:t>
             </a:fld>
             <a:endParaRPr lang="ko-KR" altLang="en-US"/>
           </a:p>
@@ -783,7 +789,7 @@
           <a:p>
             <a:fld id="{6FFC7E98-D902-484D-A765-6737F59B3E56}" type="datetimeFigureOut">
               <a:rPr lang="ko-KR" altLang="en-US" smtClean="0"/>
-              <a:t>2018-08-21</a:t>
+              <a:t>2018-08-22</a:t>
             </a:fld>
             <a:endParaRPr lang="ko-KR" altLang="en-US"/>
           </a:p>
@@ -1029,7 +1035,7 @@
           <a:p>
             <a:fld id="{6FFC7E98-D902-484D-A765-6737F59B3E56}" type="datetimeFigureOut">
               <a:rPr lang="ko-KR" altLang="en-US" smtClean="0"/>
-              <a:t>2018-08-21</a:t>
+              <a:t>2018-08-22</a:t>
             </a:fld>
             <a:endParaRPr lang="ko-KR" altLang="en-US"/>
           </a:p>
@@ -1261,7 +1267,7 @@
           <a:p>
             <a:fld id="{6FFC7E98-D902-484D-A765-6737F59B3E56}" type="datetimeFigureOut">
               <a:rPr lang="ko-KR" altLang="en-US" smtClean="0"/>
-              <a:t>2018-08-21</a:t>
+              <a:t>2018-08-22</a:t>
             </a:fld>
             <a:endParaRPr lang="ko-KR" altLang="en-US"/>
           </a:p>
@@ -1628,7 +1634,7 @@
           <a:p>
             <a:fld id="{6FFC7E98-D902-484D-A765-6737F59B3E56}" type="datetimeFigureOut">
               <a:rPr lang="ko-KR" altLang="en-US" smtClean="0"/>
-              <a:t>2018-08-21</a:t>
+              <a:t>2018-08-22</a:t>
             </a:fld>
             <a:endParaRPr lang="ko-KR" altLang="en-US"/>
           </a:p>
@@ -1746,7 +1752,7 @@
           <a:p>
             <a:fld id="{6FFC7E98-D902-484D-A765-6737F59B3E56}" type="datetimeFigureOut">
               <a:rPr lang="ko-KR" altLang="en-US" smtClean="0"/>
-              <a:t>2018-08-21</a:t>
+              <a:t>2018-08-22</a:t>
             </a:fld>
             <a:endParaRPr lang="ko-KR" altLang="en-US"/>
           </a:p>
@@ -1841,7 +1847,7 @@
           <a:p>
             <a:fld id="{6FFC7E98-D902-484D-A765-6737F59B3E56}" type="datetimeFigureOut">
               <a:rPr lang="ko-KR" altLang="en-US" smtClean="0"/>
-              <a:t>2018-08-21</a:t>
+              <a:t>2018-08-22</a:t>
             </a:fld>
             <a:endParaRPr lang="ko-KR" altLang="en-US"/>
           </a:p>
@@ -2118,7 +2124,7 @@
           <a:p>
             <a:fld id="{6FFC7E98-D902-484D-A765-6737F59B3E56}" type="datetimeFigureOut">
               <a:rPr lang="ko-KR" altLang="en-US" smtClean="0"/>
-              <a:t>2018-08-21</a:t>
+              <a:t>2018-08-22</a:t>
             </a:fld>
             <a:endParaRPr lang="ko-KR" altLang="en-US"/>
           </a:p>
@@ -2371,7 +2377,7 @@
           <a:p>
             <a:fld id="{6FFC7E98-D902-484D-A765-6737F59B3E56}" type="datetimeFigureOut">
               <a:rPr lang="ko-KR" altLang="en-US" smtClean="0"/>
-              <a:t>2018-08-21</a:t>
+              <a:t>2018-08-22</a:t>
             </a:fld>
             <a:endParaRPr lang="ko-KR" altLang="en-US"/>
           </a:p>
@@ -2584,7 +2590,7 @@
           <a:p>
             <a:fld id="{6FFC7E98-D902-484D-A765-6737F59B3E56}" type="datetimeFigureOut">
               <a:rPr lang="ko-KR" altLang="en-US" smtClean="0"/>
-              <a:t>2018-08-21</a:t>
+              <a:t>2018-08-22</a:t>
             </a:fld>
             <a:endParaRPr lang="ko-KR" altLang="en-US"/>
           </a:p>
@@ -2989,8 +2995,8 @@
           <a:chExt cx="0" cy="0"/>
         </a:xfrm>
       </p:grpSpPr>
-      <mc:AlternateContent xmlns:mc="http://schemas.openxmlformats.org/markup-compatibility/2006">
-        <mc:Choice xmlns:a14="http://schemas.microsoft.com/office/drawing/2010/main" Requires="a14">
+      <mc:AlternateContent xmlns:mc="http://schemas.openxmlformats.org/markup-compatibility/2006" xmlns:a14="http://schemas.microsoft.com/office/drawing/2010/main">
+        <mc:Choice Requires="a14">
           <p:sp>
             <p:nvSpPr>
               <p:cNvPr id="143" name="순서도: 데이터 142"/>
@@ -3048,16 +3054,6 @@
                   </a:rPr>
                   <a:t>Cost matrix</a:t>
                 </a:r>
-                <a:endParaRPr lang="en-US" altLang="ko-KR" sz="1400" b="1" dirty="0" smtClean="0">
-                  <a:solidFill>
-                    <a:schemeClr val="accent2">
-                      <a:lumMod val="75000"/>
-                    </a:schemeClr>
-                  </a:solidFill>
-                  <a:latin typeface="Tahoma" panose="020B0604030504040204" pitchFamily="34" charset="0"/>
-                  <a:ea typeface="Tahoma" panose="020B0604030504040204" pitchFamily="34" charset="0"/>
-                  <a:cs typeface="Tahoma" panose="020B0604030504040204" pitchFamily="34" charset="0"/>
-                </a:endParaRPr>
               </a:p>
               <a:p>
                 <a:pPr algn="ctr"/>
@@ -3177,7 +3173,7 @@
                             <a:ea typeface="Tahoma" panose="020B0604030504040204" pitchFamily="34" charset="0"/>
                             <a:cs typeface="Tahoma" panose="020B0604030504040204" pitchFamily="34" charset="0"/>
                           </a:rPr>
-                          <m:t>𝒊𝒎𝒈</m:t>
+                          <m:t>𝒓𝒄𝒈</m:t>
                         </m:r>
                       </m:sub>
                     </m:sSub>
@@ -3196,21 +3192,11 @@
                   </a:rPr>
                   <a:t>)</a:t>
                 </a:r>
-                <a:endParaRPr lang="en-US" altLang="ko-KR" sz="1400" b="1" dirty="0" smtClean="0">
-                  <a:solidFill>
-                    <a:schemeClr val="accent2">
-                      <a:lumMod val="75000"/>
-                    </a:schemeClr>
-                  </a:solidFill>
-                  <a:latin typeface="Tahoma" panose="020B0604030504040204" pitchFamily="34" charset="0"/>
-                  <a:ea typeface="Tahoma" panose="020B0604030504040204" pitchFamily="34" charset="0"/>
-                  <a:cs typeface="Tahoma" panose="020B0604030504040204" pitchFamily="34" charset="0"/>
-                </a:endParaRPr>
               </a:p>
             </p:txBody>
           </p:sp>
         </mc:Choice>
-        <mc:Fallback>
+        <mc:Fallback xmlns="">
           <p:sp>
             <p:nvSpPr>
               <p:cNvPr id="143" name="순서도: 데이터 142"/>
@@ -3256,8 +3242,8 @@
           </p:sp>
         </mc:Fallback>
       </mc:AlternateContent>
-      <mc:AlternateContent xmlns:mc="http://schemas.openxmlformats.org/markup-compatibility/2006">
-        <mc:Choice xmlns:a14="http://schemas.microsoft.com/office/drawing/2010/main" Requires="a14">
+      <mc:AlternateContent xmlns:mc="http://schemas.openxmlformats.org/markup-compatibility/2006" xmlns:a14="http://schemas.microsoft.com/office/drawing/2010/main">
+        <mc:Choice Requires="a14">
           <p:sp>
             <p:nvSpPr>
               <p:cNvPr id="108" name="순서도: 데이터 107"/>
@@ -3359,7 +3345,7 @@
                             <a:ea typeface="Tahoma" panose="020B0604030504040204" pitchFamily="34" charset="0"/>
                             <a:cs typeface="Tahoma" panose="020B0604030504040204" pitchFamily="34" charset="0"/>
                           </a:rPr>
-                          <m:t>𝒊𝒎𝒈</m:t>
+                          <m:t>𝒓𝒄𝒈</m:t>
                         </m:r>
                       </m:sub>
                     </m:sSub>
@@ -3378,21 +3364,11 @@
                   </a:rPr>
                   <a:t>)</a:t>
                 </a:r>
-                <a:endParaRPr lang="en-US" altLang="ko-KR" sz="1600" b="1" dirty="0" smtClean="0">
-                  <a:solidFill>
-                    <a:schemeClr val="accent2">
-                      <a:lumMod val="75000"/>
-                    </a:schemeClr>
-                  </a:solidFill>
-                  <a:latin typeface="Tahoma" panose="020B0604030504040204" pitchFamily="34" charset="0"/>
-                  <a:ea typeface="Tahoma" panose="020B0604030504040204" pitchFamily="34" charset="0"/>
-                  <a:cs typeface="Tahoma" panose="020B0604030504040204" pitchFamily="34" charset="0"/>
-                </a:endParaRPr>
               </a:p>
             </p:txBody>
           </p:sp>
         </mc:Choice>
-        <mc:Fallback>
+        <mc:Fallback xmlns="">
           <p:sp>
             <p:nvSpPr>
               <p:cNvPr id="108" name="순서도: 데이터 107"/>
@@ -3886,8 +3862,8 @@
           </a:fontRef>
         </p:style>
       </p:cxnSp>
-      <mc:AlternateContent xmlns:mc="http://schemas.openxmlformats.org/markup-compatibility/2006">
-        <mc:Choice xmlns:a14="http://schemas.microsoft.com/office/drawing/2010/main" Requires="a14">
+      <mc:AlternateContent xmlns:mc="http://schemas.openxmlformats.org/markup-compatibility/2006" xmlns:a14="http://schemas.microsoft.com/office/drawing/2010/main">
+        <mc:Choice Requires="a14">
           <p:sp>
             <p:nvSpPr>
               <p:cNvPr id="136" name="순서도: 데이터 135"/>
@@ -3989,7 +3965,7 @@
                             <a:ea typeface="Tahoma" panose="020B0604030504040204" pitchFamily="34" charset="0"/>
                             <a:cs typeface="Tahoma" panose="020B0604030504040204" pitchFamily="34" charset="0"/>
                           </a:rPr>
-                          <m:t>𝒑𝒄𝒍</m:t>
+                          <m:t>𝒅𝒆𝒕</m:t>
                         </m:r>
                       </m:sub>
                     </m:sSub>
@@ -4008,21 +3984,11 @@
                   </a:rPr>
                   <a:t>)</a:t>
                 </a:r>
-                <a:endParaRPr lang="en-US" altLang="ko-KR" sz="1600" b="1" dirty="0" smtClean="0">
-                  <a:solidFill>
-                    <a:schemeClr val="accent2">
-                      <a:lumMod val="75000"/>
-                    </a:schemeClr>
-                  </a:solidFill>
-                  <a:latin typeface="Tahoma" panose="020B0604030504040204" pitchFamily="34" charset="0"/>
-                  <a:ea typeface="Tahoma" panose="020B0604030504040204" pitchFamily="34" charset="0"/>
-                  <a:cs typeface="Tahoma" panose="020B0604030504040204" pitchFamily="34" charset="0"/>
-                </a:endParaRPr>
               </a:p>
             </p:txBody>
           </p:sp>
         </mc:Choice>
-        <mc:Fallback>
+        <mc:Fallback xmlns="">
           <p:sp>
             <p:nvSpPr>
               <p:cNvPr id="136" name="순서도: 데이터 135"/>
@@ -4886,18 +4852,7 @@
                 <a:ea typeface="Tahoma" panose="020B0604030504040204" pitchFamily="34" charset="0"/>
                 <a:cs typeface="Tahoma" panose="020B0604030504040204" pitchFamily="34" charset="0"/>
               </a:rPr>
-              <a:t>Task allocation </a:t>
-            </a:r>
-            <a:r>
-              <a:rPr lang="en-US" altLang="ko-KR" sz="1400" b="1" dirty="0" smtClean="0">
-                <a:solidFill>
-                  <a:schemeClr val="tx1"/>
-                </a:solidFill>
-                <a:latin typeface="Tahoma" panose="020B0604030504040204" pitchFamily="34" charset="0"/>
-                <a:ea typeface="Tahoma" panose="020B0604030504040204" pitchFamily="34" charset="0"/>
-                <a:cs typeface="Tahoma" panose="020B0604030504040204" pitchFamily="34" charset="0"/>
-              </a:rPr>
-              <a:t>(RTA)</a:t>
+              <a:t>Task allocation (RTA)</a:t>
             </a:r>
             <a:endParaRPr lang="ko-KR" altLang="en-US" sz="1400" b="1" dirty="0">
               <a:solidFill>
@@ -5039,18 +4994,7 @@
                 <a:ea typeface="Tahoma" panose="020B0604030504040204" pitchFamily="34" charset="0"/>
                 <a:cs typeface="Tahoma" panose="020B0604030504040204" pitchFamily="34" charset="0"/>
               </a:rPr>
-              <a:t>Completion </a:t>
-            </a:r>
-            <a:r>
-              <a:rPr lang="en-US" altLang="ko-KR" sz="1400" b="1" dirty="0" smtClean="0">
-                <a:solidFill>
-                  <a:schemeClr val="tx1"/>
-                </a:solidFill>
-                <a:latin typeface="Tahoma" panose="020B0604030504040204" pitchFamily="34" charset="0"/>
-                <a:ea typeface="Tahoma" panose="020B0604030504040204" pitchFamily="34" charset="0"/>
-                <a:cs typeface="Tahoma" panose="020B0604030504040204" pitchFamily="34" charset="0"/>
-              </a:rPr>
-              <a:t>Action</a:t>
+              <a:t>Completion Action</a:t>
             </a:r>
             <a:endParaRPr lang="ko-KR" altLang="en-US" sz="1400" b="1" dirty="0">
               <a:solidFill>
@@ -5593,8 +5537,8 @@
           </a:fontRef>
         </p:style>
       </p:cxnSp>
-      <mc:AlternateContent xmlns:mc="http://schemas.openxmlformats.org/markup-compatibility/2006">
-        <mc:Choice xmlns:a14="http://schemas.microsoft.com/office/drawing/2010/main" Requires="a14">
+      <mc:AlternateContent xmlns:mc="http://schemas.openxmlformats.org/markup-compatibility/2006" xmlns:a14="http://schemas.microsoft.com/office/drawing/2010/main">
+        <mc:Choice Requires="a14">
           <p:sp>
             <p:nvSpPr>
               <p:cNvPr id="152" name="직사각형 151"/>
@@ -5737,7 +5681,7 @@
                             <a:ea typeface="Tahoma" panose="020B0604030504040204" pitchFamily="34" charset="0"/>
                             <a:cs typeface="Tahoma" panose="020B0604030504040204" pitchFamily="34" charset="0"/>
                           </a:rPr>
-                          <m:t>𝒊𝒎𝒈</m:t>
+                          <m:t>𝒓𝒄𝒈</m:t>
                         </m:r>
                       </m:sub>
                     </m:sSub>
@@ -5766,7 +5710,7 @@
             </p:txBody>
           </p:sp>
         </mc:Choice>
-        <mc:Fallback>
+        <mc:Fallback xmlns="">
           <p:sp>
             <p:nvSpPr>
               <p:cNvPr id="152" name="직사각형 151"/>
@@ -5957,8 +5901,8 @@
           </a:fontRef>
         </p:style>
       </p:cxnSp>
-      <mc:AlternateContent xmlns:mc="http://schemas.openxmlformats.org/markup-compatibility/2006">
-        <mc:Choice xmlns:a14="http://schemas.microsoft.com/office/drawing/2010/main" Requires="a14">
+      <mc:AlternateContent xmlns:mc="http://schemas.openxmlformats.org/markup-compatibility/2006" xmlns:a14="http://schemas.microsoft.com/office/drawing/2010/main">
+        <mc:Choice Requires="a14">
           <p:sp>
             <p:nvSpPr>
               <p:cNvPr id="151" name="직사각형 150"/>
@@ -6103,7 +6047,7 @@
                             <a:ea typeface="Tahoma" panose="020B0604030504040204" pitchFamily="34" charset="0"/>
                             <a:cs typeface="Tahoma" panose="020B0604030504040204" pitchFamily="34" charset="0"/>
                           </a:rPr>
-                          <m:t>𝒑𝒄𝒍</m:t>
+                          <m:t>𝒅𝒆𝒕</m:t>
                         </m:r>
                       </m:sub>
                     </m:sSub>
@@ -6132,7 +6076,7 @@
             </p:txBody>
           </p:sp>
         </mc:Choice>
-        <mc:Fallback>
+        <mc:Fallback xmlns="">
           <p:sp>
             <p:nvSpPr>
               <p:cNvPr id="151" name="직사각형 150"/>
@@ -6176,8 +6120,8 @@
           </p:sp>
         </mc:Fallback>
       </mc:AlternateContent>
-      <mc:AlternateContent xmlns:mc="http://schemas.openxmlformats.org/markup-compatibility/2006">
-        <mc:Choice xmlns:a14="http://schemas.microsoft.com/office/drawing/2010/main" Requires="a14">
+      <mc:AlternateContent xmlns:mc="http://schemas.openxmlformats.org/markup-compatibility/2006" xmlns:a14="http://schemas.microsoft.com/office/drawing/2010/main">
+        <mc:Choice Requires="a14">
           <p:sp>
             <p:nvSpPr>
               <p:cNvPr id="184" name="직사각형 183"/>
@@ -6292,7 +6236,7 @@
             </p:txBody>
           </p:sp>
         </mc:Choice>
-        <mc:Fallback>
+        <mc:Fallback xmlns="">
           <p:sp>
             <p:nvSpPr>
               <p:cNvPr id="184" name="직사각형 183"/>
@@ -7234,8 +7178,8 @@
           </a:fontRef>
         </p:style>
       </p:cxnSp>
-      <mc:AlternateContent xmlns:mc="http://schemas.openxmlformats.org/markup-compatibility/2006">
-        <mc:Choice xmlns:a14="http://schemas.microsoft.com/office/drawing/2010/main" Requires="a14">
+      <mc:AlternateContent xmlns:mc="http://schemas.openxmlformats.org/markup-compatibility/2006" xmlns:a14="http://schemas.microsoft.com/office/drawing/2010/main">
+        <mc:Choice Requires="a14">
           <p:sp>
             <p:nvSpPr>
               <p:cNvPr id="138" name="순서도: 데이터 137"/>
@@ -7293,16 +7237,6 @@
                   </a:rPr>
                   <a:t>Cost matrix</a:t>
                 </a:r>
-                <a:endParaRPr lang="en-US" altLang="ko-KR" sz="1400" b="1" dirty="0" smtClean="0">
-                  <a:solidFill>
-                    <a:schemeClr val="accent2">
-                      <a:lumMod val="75000"/>
-                    </a:schemeClr>
-                  </a:solidFill>
-                  <a:latin typeface="Tahoma" panose="020B0604030504040204" pitchFamily="34" charset="0"/>
-                  <a:ea typeface="Tahoma" panose="020B0604030504040204" pitchFamily="34" charset="0"/>
-                  <a:cs typeface="Tahoma" panose="020B0604030504040204" pitchFamily="34" charset="0"/>
-                </a:endParaRPr>
               </a:p>
               <a:p>
                 <a:pPr algn="ctr"/>
@@ -7422,7 +7356,7 @@
                             <a:ea typeface="Tahoma" panose="020B0604030504040204" pitchFamily="34" charset="0"/>
                             <a:cs typeface="Tahoma" panose="020B0604030504040204" pitchFamily="34" charset="0"/>
                           </a:rPr>
-                          <m:t>𝒑𝒄𝒍</m:t>
+                          <m:t>𝒅𝒆𝒕</m:t>
                         </m:r>
                       </m:sub>
                     </m:sSub>
@@ -7441,21 +7375,11 @@
                   </a:rPr>
                   <a:t>)</a:t>
                 </a:r>
-                <a:endParaRPr lang="en-US" altLang="ko-KR" sz="1400" b="1" dirty="0" smtClean="0">
-                  <a:solidFill>
-                    <a:schemeClr val="accent2">
-                      <a:lumMod val="75000"/>
-                    </a:schemeClr>
-                  </a:solidFill>
-                  <a:latin typeface="Tahoma" panose="020B0604030504040204" pitchFamily="34" charset="0"/>
-                  <a:ea typeface="Tahoma" panose="020B0604030504040204" pitchFamily="34" charset="0"/>
-                  <a:cs typeface="Tahoma" panose="020B0604030504040204" pitchFamily="34" charset="0"/>
-                </a:endParaRPr>
               </a:p>
             </p:txBody>
           </p:sp>
         </mc:Choice>
-        <mc:Fallback>
+        <mc:Fallback xmlns="">
           <p:sp>
             <p:nvSpPr>
               <p:cNvPr id="138" name="순서도: 데이터 137"/>
@@ -7653,8 +7577,8 @@
           </a:fontRef>
         </p:style>
       </p:cxnSp>
-      <mc:AlternateContent xmlns:mc="http://schemas.openxmlformats.org/markup-compatibility/2006">
-        <mc:Choice xmlns:a14="http://schemas.microsoft.com/office/drawing/2010/main" Requires="a14">
+      <mc:AlternateContent xmlns:mc="http://schemas.openxmlformats.org/markup-compatibility/2006" xmlns:a14="http://schemas.microsoft.com/office/drawing/2010/main">
+        <mc:Choice Requires="a14">
           <p:sp>
             <p:nvSpPr>
               <p:cNvPr id="157" name="직사각형 156"/>
@@ -7769,7 +7693,7 @@
             </p:txBody>
           </p:sp>
         </mc:Choice>
-        <mc:Fallback>
+        <mc:Fallback xmlns="">
           <p:sp>
             <p:nvSpPr>
               <p:cNvPr id="157" name="직사각형 156"/>
@@ -7811,8 +7735,8 @@
           </p:sp>
         </mc:Fallback>
       </mc:AlternateContent>
-      <mc:AlternateContent xmlns:mc="http://schemas.openxmlformats.org/markup-compatibility/2006">
-        <mc:Choice xmlns:a14="http://schemas.microsoft.com/office/drawing/2010/main" Requires="a14">
+      <mc:AlternateContent xmlns:mc="http://schemas.openxmlformats.org/markup-compatibility/2006" xmlns:a14="http://schemas.microsoft.com/office/drawing/2010/main">
+        <mc:Choice Requires="a14">
           <p:sp>
             <p:nvSpPr>
               <p:cNvPr id="159" name="직사각형 158"/>
@@ -7914,7 +7838,7 @@
             </p:txBody>
           </p:sp>
         </mc:Choice>
-        <mc:Fallback>
+        <mc:Fallback xmlns="">
           <p:sp>
             <p:nvSpPr>
               <p:cNvPr id="159" name="직사각형 158"/>
@@ -8262,14 +8186,6 @@
               </a:rPr>
               <a:t>On-site measurement</a:t>
             </a:r>
-            <a:endParaRPr lang="en-US" altLang="ko-KR" sz="1400" dirty="0" smtClean="0">
-              <a:solidFill>
-                <a:schemeClr val="tx1"/>
-              </a:solidFill>
-              <a:latin typeface="Tahoma" panose="020B0604030504040204" pitchFamily="34" charset="0"/>
-              <a:ea typeface="Tahoma" panose="020B0604030504040204" pitchFamily="34" charset="0"/>
-              <a:cs typeface="Tahoma" panose="020B0604030504040204" pitchFamily="34" charset="0"/>
-            </a:endParaRPr>
           </a:p>
         </p:txBody>
       </p:sp>
@@ -8808,7 +8724,7 @@
       </p:sp>
       <p:pic>
         <p:nvPicPr>
-          <p:cNvPr id="84" name="그림 83"/>
+          <p:cNvPr id="4" name="그림 3"/>
           <p:cNvPicPr>
             <a:picLocks noChangeAspect="1"/>
           </p:cNvPicPr>
@@ -8822,7 +8738,7 @@
         </p:blipFill>
         <p:spPr>
           <a:xfrm>
-            <a:off x="10450617" y="349847"/>
+            <a:off x="10104282" y="82302"/>
             <a:ext cx="9492295" cy="9242337"/>
           </a:xfrm>
           <a:prstGeom prst="rect">
@@ -8834,6 +8750,36 @@
     <p:extLst>
       <p:ext uri="{BB962C8B-B14F-4D97-AF65-F5344CB8AC3E}">
         <p14:creationId xmlns:p14="http://schemas.microsoft.com/office/powerpoint/2010/main" val="4118317715"/>
+      </p:ext>
+    </p:extLst>
+  </p:cSld>
+  <p:clrMapOvr>
+    <a:masterClrMapping/>
+  </p:clrMapOvr>
+</p:sld>
+</file>
+
+<file path=ppt/slides/slide2.xml><?xml version="1.0" encoding="utf-8"?>
+<p:sld xmlns:a="http://schemas.openxmlformats.org/drawingml/2006/main" xmlns:r="http://schemas.openxmlformats.org/officeDocument/2006/relationships" xmlns:p="http://schemas.openxmlformats.org/presentationml/2006/main">
+  <p:cSld>
+    <p:spTree>
+      <p:nvGrpSpPr>
+        <p:cNvPr id="1" name=""/>
+        <p:cNvGrpSpPr/>
+        <p:nvPr/>
+      </p:nvGrpSpPr>
+      <p:grpSpPr>
+        <a:xfrm>
+          <a:off x="0" y="0"/>
+          <a:ext cx="0" cy="0"/>
+          <a:chOff x="0" y="0"/>
+          <a:chExt cx="0" cy="0"/>
+        </a:xfrm>
+      </p:grpSpPr>
+    </p:spTree>
+    <p:extLst>
+      <p:ext uri="{BB962C8B-B14F-4D97-AF65-F5344CB8AC3E}">
+        <p14:creationId xmlns:p14="http://schemas.microsoft.com/office/powerpoint/2010/main" val="3513926919"/>
       </p:ext>
     </p:extLst>
   </p:cSld>
